--- a/Chat-application.powerpoint.pptx
+++ b/Chat-application.powerpoint.pptx
@@ -5,7 +5,7 @@
     <p:sldMasterId id="2147483659" r:id="rId1"/>
   </p:sldMasterIdLst>
   <p:notesMasterIdLst>
-    <p:notesMasterId r:id="rId8"/>
+    <p:notesMasterId r:id="rId10"/>
   </p:notesMasterIdLst>
   <p:sldIdLst>
     <p:sldId id="259" r:id="rId2"/>
@@ -14,11 +14,13 @@
     <p:sldId id="258" r:id="rId5"/>
     <p:sldId id="260" r:id="rId6"/>
     <p:sldId id="261" r:id="rId7"/>
+    <p:sldId id="262" r:id="rId8"/>
+    <p:sldId id="263" r:id="rId9"/>
   </p:sldIdLst>
   <p:sldSz cx="9144000" cy="5143500" type="screen16x9"/>
   <p:notesSz cx="6858000" cy="9144000"/>
   <p:custDataLst>
-    <p:tags r:id="rId9"/>
+    <p:tags r:id="rId11"/>
   </p:custDataLst>
   <p:defaultTextStyle>
     <a:defPPr marR="0" lvl="0" algn="l" rtl="0">
@@ -1850,7 +1852,7 @@
           <a:p>
             <a:fld id="{A6449D82-6253-4D71-BD62-972315CC1FC8}" type="datetimeFigureOut">
               <a:rPr lang="en-US" smtClean="0"/>
-              <a:t>3/10/2023</a:t>
+              <a:t>3/23/2023</a:t>
             </a:fld>
             <a:endParaRPr lang="en-US"/>
           </a:p>
@@ -9383,6 +9385,178 @@
 </p:sld>
 </file>
 
+<file path=ppt/slides/slide7.xml><?xml version="1.0" encoding="utf-8"?>
+<p:sld xmlns:a="http://schemas.openxmlformats.org/drawingml/2006/main" xmlns:r="http://schemas.openxmlformats.org/officeDocument/2006/relationships" xmlns:p="http://schemas.openxmlformats.org/presentationml/2006/main">
+  <p:cSld>
+    <p:spTree>
+      <p:nvGrpSpPr>
+        <p:cNvPr id="1" name=""/>
+        <p:cNvGrpSpPr/>
+        <p:nvPr/>
+      </p:nvGrpSpPr>
+      <p:grpSpPr>
+        <a:xfrm>
+          <a:off x="0" y="0"/>
+          <a:ext cx="0" cy="0"/>
+          <a:chOff x="0" y="0"/>
+          <a:chExt cx="0" cy="0"/>
+        </a:xfrm>
+      </p:grpSpPr>
+      <p:sp>
+        <p:nvSpPr>
+          <p:cNvPr id="2" name="Title 1">
+            <a:extLst>
+              <a:ext uri="{FF2B5EF4-FFF2-40B4-BE49-F238E27FC236}">
+                <a16:creationId xmlns:a16="http://schemas.microsoft.com/office/drawing/2014/main" id="{DE80E31C-BC11-2B74-9A3D-1FE5C3A0479E}"/>
+              </a:ext>
+            </a:extLst>
+          </p:cNvPr>
+          <p:cNvSpPr>
+            <a:spLocks noGrp="1"/>
+          </p:cNvSpPr>
+          <p:nvPr>
+            <p:ph type="title"/>
+          </p:nvPr>
+        </p:nvSpPr>
+        <p:spPr/>
+        <p:txBody>
+          <a:bodyPr/>
+          <a:lstStyle/>
+          <a:p>
+            <a:endParaRPr lang="en-IN"/>
+          </a:p>
+        </p:txBody>
+      </p:sp>
+      <p:sp>
+        <p:nvSpPr>
+          <p:cNvPr id="3" name="Text Placeholder 2">
+            <a:extLst>
+              <a:ext uri="{FF2B5EF4-FFF2-40B4-BE49-F238E27FC236}">
+                <a16:creationId xmlns:a16="http://schemas.microsoft.com/office/drawing/2014/main" id="{4F62452D-FD41-B555-A365-811C33FD1B6E}"/>
+              </a:ext>
+            </a:extLst>
+          </p:cNvPr>
+          <p:cNvSpPr>
+            <a:spLocks noGrp="1"/>
+          </p:cNvSpPr>
+          <p:nvPr>
+            <p:ph type="body" idx="1"/>
+          </p:nvPr>
+        </p:nvSpPr>
+        <p:spPr/>
+        <p:txBody>
+          <a:bodyPr/>
+          <a:lstStyle/>
+          <a:p>
+            <a:endParaRPr lang="en-IN"/>
+          </a:p>
+        </p:txBody>
+      </p:sp>
+      <p:pic>
+        <p:nvPicPr>
+          <p:cNvPr id="5" name="Picture 4">
+            <a:extLst>
+              <a:ext uri="{FF2B5EF4-FFF2-40B4-BE49-F238E27FC236}">
+                <a16:creationId xmlns:a16="http://schemas.microsoft.com/office/drawing/2014/main" id="{76BE5B94-4F73-6EAF-9750-9F1CAB6A21CE}"/>
+              </a:ext>
+            </a:extLst>
+          </p:cNvPr>
+          <p:cNvPicPr>
+            <a:picLocks noChangeAspect="1"/>
+          </p:cNvPicPr>
+          <p:nvPr/>
+        </p:nvPicPr>
+        <p:blipFill>
+          <a:blip r:embed="rId2"/>
+          <a:stretch>
+            <a:fillRect/>
+          </a:stretch>
+        </p:blipFill>
+        <p:spPr>
+          <a:xfrm>
+            <a:off x="0" y="0"/>
+            <a:ext cx="9144000" cy="5143500"/>
+          </a:xfrm>
+          <a:prstGeom prst="rect">
+            <a:avLst/>
+          </a:prstGeom>
+        </p:spPr>
+      </p:pic>
+    </p:spTree>
+    <p:extLst>
+      <p:ext uri="{BB962C8B-B14F-4D97-AF65-F5344CB8AC3E}">
+        <p14:creationId xmlns:p14="http://schemas.microsoft.com/office/powerpoint/2010/main" val="414940030"/>
+      </p:ext>
+    </p:extLst>
+  </p:cSld>
+  <p:clrMapOvr>
+    <a:masterClrMapping/>
+  </p:clrMapOvr>
+</p:sld>
+</file>
+
+<file path=ppt/slides/slide8.xml><?xml version="1.0" encoding="utf-8"?>
+<p:sld xmlns:a="http://schemas.openxmlformats.org/drawingml/2006/main" xmlns:r="http://schemas.openxmlformats.org/officeDocument/2006/relationships" xmlns:p="http://schemas.openxmlformats.org/presentationml/2006/main">
+  <p:cSld>
+    <p:spTree>
+      <p:nvGrpSpPr>
+        <p:cNvPr id="1" name=""/>
+        <p:cNvGrpSpPr/>
+        <p:nvPr/>
+      </p:nvGrpSpPr>
+      <p:grpSpPr>
+        <a:xfrm>
+          <a:off x="0" y="0"/>
+          <a:ext cx="0" cy="0"/>
+          <a:chOff x="0" y="0"/>
+          <a:chExt cx="0" cy="0"/>
+        </a:xfrm>
+      </p:grpSpPr>
+      <p:sp>
+        <p:nvSpPr>
+          <p:cNvPr id="3" name="Text Placeholder 2">
+            <a:extLst>
+              <a:ext uri="{FF2B5EF4-FFF2-40B4-BE49-F238E27FC236}">
+                <a16:creationId xmlns:a16="http://schemas.microsoft.com/office/drawing/2014/main" id="{BB75471C-D4BA-4F31-25C8-5A234115CF4A}"/>
+              </a:ext>
+            </a:extLst>
+          </p:cNvPr>
+          <p:cNvSpPr>
+            <a:spLocks noGrp="1"/>
+          </p:cNvSpPr>
+          <p:nvPr>
+            <p:ph type="body" idx="1"/>
+          </p:nvPr>
+        </p:nvSpPr>
+        <p:spPr/>
+        <p:txBody>
+          <a:bodyPr/>
+          <a:lstStyle/>
+          <a:p>
+            <a:pPr marL="146050" indent="0">
+              <a:buNone/>
+            </a:pPr>
+            <a:r>
+              <a:rPr lang="en-US" dirty="0"/>
+              <a:t>THANK YOU </a:t>
+            </a:r>
+            <a:endParaRPr lang="en-IN" dirty="0"/>
+          </a:p>
+        </p:txBody>
+      </p:sp>
+    </p:spTree>
+    <p:extLst>
+      <p:ext uri="{BB962C8B-B14F-4D97-AF65-F5344CB8AC3E}">
+        <p14:creationId xmlns:p14="http://schemas.microsoft.com/office/powerpoint/2010/main" val="856653375"/>
+      </p:ext>
+    </p:extLst>
+  </p:cSld>
+  <p:clrMapOvr>
+    <a:masterClrMapping/>
+  </p:clrMapOvr>
+</p:sld>
+</file>
+
 <file path=ppt/tags/tag1.xml><?xml version="1.0" encoding="utf-8"?>
 <p:tagLst xmlns:a="http://schemas.openxmlformats.org/drawingml/2006/main" xmlns:r="http://schemas.openxmlformats.org/officeDocument/2006/relationships" xmlns:p="http://schemas.openxmlformats.org/presentationml/2006/main">
   <p:tag name="ISPRING_ULTRA_SCORM_COURSE_ID" val="520227D7-6C39-4F11-B2D9-566324346E47"/>
